--- a/演示文稿1(3).pptx
+++ b/演示文稿1(3).pptx
@@ -10443,7 +10443,7 @@
         </p:nvSpPr>
         <p:spPr>
           <a:xfrm>
-            <a:off x="4976452" y="2406722"/>
+            <a:off x="6404395" y="2372556"/>
             <a:ext cx="1628984" cy="375702"/>
           </a:xfrm>
           <a:prstGeom prst="rect">
@@ -11403,9 +11403,9 @@
           <p:nvPr/>
         </p:nvCxnSpPr>
         <p:spPr>
-          <a:xfrm>
-            <a:off x="4793942" y="2594573"/>
-            <a:ext cx="182510" cy="0"/>
+          <a:xfrm flipV="1">
+            <a:off x="4793942" y="2560407"/>
+            <a:ext cx="1610453" cy="34166"/>
           </a:xfrm>
           <a:prstGeom prst="line">
             <a:avLst/>
@@ -11542,7 +11542,7 @@
         <p:spPr>
           <a:xfrm>
             <a:off x="5790944" y="818855"/>
-            <a:ext cx="0" cy="1587867"/>
+            <a:ext cx="1427943" cy="1553701"/>
           </a:xfrm>
           <a:prstGeom prst="line">
             <a:avLst/>
@@ -11889,7 +11889,7 @@
         </p:nvSpPr>
         <p:spPr>
           <a:xfrm>
-            <a:off x="7218790" y="4001537"/>
+            <a:off x="6975763" y="4418446"/>
             <a:ext cx="1628984" cy="375702"/>
           </a:xfrm>
           <a:prstGeom prst="rect">
@@ -11948,7 +11948,7 @@
         </p:nvSpPr>
         <p:spPr>
           <a:xfrm>
-            <a:off x="4882668" y="3874478"/>
+            <a:off x="6882667" y="3275391"/>
             <a:ext cx="1816552" cy="629820"/>
           </a:xfrm>
           <a:prstGeom prst="flowChartDecision">
@@ -12004,15 +12004,14 @@
           </p:cNvPr>
           <p:cNvCxnSpPr>
             <a:cxnSpLocks/>
-            <a:stCxn id="5" idx="2"/>
             <a:endCxn id="66" idx="0"/>
           </p:cNvCxnSpPr>
           <p:nvPr/>
         </p:nvCxnSpPr>
         <p:spPr>
           <a:xfrm>
-            <a:off x="5790944" y="2782424"/>
-            <a:ext cx="0" cy="1092054"/>
+            <a:off x="7108461" y="2699066"/>
+            <a:ext cx="682482" cy="576325"/>
           </a:xfrm>
           <a:prstGeom prst="line">
             <a:avLst/>
@@ -12043,15 +12042,16 @@
             </a:extLst>
           </p:cNvPr>
           <p:cNvCxnSpPr>
-            <a:stCxn id="66" idx="3"/>
-            <a:endCxn id="65" idx="1"/>
+            <a:cxnSpLocks/>
+            <a:stCxn id="66" idx="2"/>
+            <a:endCxn id="65" idx="0"/>
           </p:cNvCxnSpPr>
           <p:nvPr/>
         </p:nvCxnSpPr>
         <p:spPr>
-          <a:xfrm>
-            <a:off x="6699220" y="4189388"/>
-            <a:ext cx="519570" cy="0"/>
+          <a:xfrm flipH="1">
+            <a:off x="7790255" y="3905211"/>
+            <a:ext cx="688" cy="513235"/>
           </a:xfrm>
           <a:prstGeom prst="line">
             <a:avLst/>
@@ -12086,7 +12086,7 @@
         </p:nvSpPr>
         <p:spPr>
           <a:xfrm>
-            <a:off x="3632989" y="4681855"/>
+            <a:off x="7777720" y="2816089"/>
             <a:ext cx="1282802" cy="375703"/>
           </a:xfrm>
           <a:prstGeom prst="ellipse">
@@ -12145,7 +12145,7 @@
         </p:nvSpPr>
         <p:spPr>
           <a:xfrm>
-            <a:off x="6069597" y="3310924"/>
+            <a:off x="5599865" y="2760785"/>
             <a:ext cx="1282802" cy="375703"/>
           </a:xfrm>
           <a:prstGeom prst="ellipse">
@@ -12204,7 +12204,7 @@
         </p:nvSpPr>
         <p:spPr>
           <a:xfrm>
-            <a:off x="5616058" y="5550701"/>
+            <a:off x="4035159" y="3717359"/>
             <a:ext cx="1282802" cy="375703"/>
           </a:xfrm>
           <a:prstGeom prst="ellipse">
@@ -12263,7 +12263,7 @@
         </p:nvSpPr>
         <p:spPr>
           <a:xfrm>
-            <a:off x="3610163" y="3728896"/>
+            <a:off x="5305992" y="3179550"/>
             <a:ext cx="1282802" cy="375703"/>
           </a:xfrm>
           <a:prstGeom prst="ellipse">
@@ -12322,7 +12322,7 @@
         </p:nvSpPr>
         <p:spPr>
           <a:xfrm>
-            <a:off x="3801749" y="5318702"/>
+            <a:off x="5119975" y="3985585"/>
             <a:ext cx="1282802" cy="375703"/>
           </a:xfrm>
           <a:prstGeom prst="ellipse">
@@ -12377,15 +12377,16 @@
             </a:extLst>
           </p:cNvPr>
           <p:cNvCxnSpPr>
-            <a:stCxn id="85" idx="7"/>
-            <a:endCxn id="66" idx="2"/>
+            <a:cxnSpLocks/>
+            <a:stCxn id="85" idx="3"/>
+            <a:endCxn id="66" idx="0"/>
           </p:cNvCxnSpPr>
           <p:nvPr/>
         </p:nvCxnSpPr>
         <p:spPr>
-          <a:xfrm flipV="1">
-            <a:off x="4727929" y="4504298"/>
-            <a:ext cx="1063015" cy="232577"/>
+          <a:xfrm flipH="1">
+            <a:off x="7790943" y="3136772"/>
+            <a:ext cx="174639" cy="138619"/>
           </a:xfrm>
           <a:prstGeom prst="line">
             <a:avLst/>
@@ -12416,15 +12417,16 @@
             </a:extLst>
           </p:cNvPr>
           <p:cNvCxnSpPr>
-            <a:stCxn id="66" idx="2"/>
-            <a:endCxn id="89" idx="0"/>
+            <a:cxnSpLocks/>
+            <a:stCxn id="66" idx="1"/>
+            <a:endCxn id="89" idx="7"/>
           </p:cNvCxnSpPr>
           <p:nvPr/>
         </p:nvCxnSpPr>
         <p:spPr>
-          <a:xfrm>
-            <a:off x="5790944" y="4504298"/>
-            <a:ext cx="466515" cy="1046403"/>
+          <a:xfrm flipH="1">
+            <a:off x="5130099" y="3590301"/>
+            <a:ext cx="1752568" cy="182078"/>
           </a:xfrm>
           <a:prstGeom prst="line">
             <a:avLst/>
@@ -12455,15 +12457,16 @@
             </a:extLst>
           </p:cNvPr>
           <p:cNvCxnSpPr>
-            <a:stCxn id="66" idx="2"/>
-            <a:endCxn id="99" idx="0"/>
+            <a:cxnSpLocks/>
+            <a:stCxn id="66" idx="1"/>
+            <a:endCxn id="99" idx="7"/>
           </p:cNvCxnSpPr>
           <p:nvPr/>
         </p:nvCxnSpPr>
         <p:spPr>
           <a:xfrm flipH="1">
-            <a:off x="4443150" y="4504298"/>
-            <a:ext cx="1347794" cy="814404"/>
+            <a:off x="6214915" y="3590301"/>
+            <a:ext cx="667752" cy="450304"/>
           </a:xfrm>
           <a:prstGeom prst="line">
             <a:avLst/>
@@ -12500,9 +12503,9 @@
           <p:nvPr/>
         </p:nvCxnSpPr>
         <p:spPr>
-          <a:xfrm flipH="1">
-            <a:off x="5790944" y="3631607"/>
-            <a:ext cx="466515" cy="242871"/>
+          <a:xfrm>
+            <a:off x="5787727" y="3081468"/>
+            <a:ext cx="2003216" cy="193923"/>
           </a:xfrm>
           <a:prstGeom prst="line">
             <a:avLst/>
@@ -12540,8 +12543,8 @@
         </p:nvCxnSpPr>
         <p:spPr>
           <a:xfrm flipV="1">
-            <a:off x="4892965" y="3874478"/>
-            <a:ext cx="897979" cy="42270"/>
+            <a:off x="6588794" y="3275391"/>
+            <a:ext cx="1202149" cy="92011"/>
           </a:xfrm>
           <a:prstGeom prst="line">
             <a:avLst/>
@@ -12576,7 +12579,7 @@
         </p:nvSpPr>
         <p:spPr>
           <a:xfrm>
-            <a:off x="4086528" y="5767697"/>
+            <a:off x="6507453" y="3993867"/>
             <a:ext cx="1282802" cy="375703"/>
           </a:xfrm>
           <a:prstGeom prst="ellipse">
@@ -12631,15 +12634,16 @@
             </a:extLst>
           </p:cNvPr>
           <p:cNvCxnSpPr>
-            <a:stCxn id="66" idx="2"/>
-            <a:endCxn id="116" idx="7"/>
+            <a:cxnSpLocks/>
+            <a:stCxn id="66" idx="1"/>
+            <a:endCxn id="116" idx="0"/>
           </p:cNvCxnSpPr>
           <p:nvPr/>
         </p:nvCxnSpPr>
         <p:spPr>
-          <a:xfrm flipH="1">
-            <a:off x="5181468" y="4504298"/>
-            <a:ext cx="609476" cy="1318419"/>
+          <a:xfrm>
+            <a:off x="6882667" y="3590301"/>
+            <a:ext cx="266187" cy="403566"/>
           </a:xfrm>
           <a:prstGeom prst="line">
             <a:avLst/>
@@ -12674,7 +12678,7 @@
         </p:nvSpPr>
         <p:spPr>
           <a:xfrm>
-            <a:off x="7218790" y="5979445"/>
+            <a:off x="6975763" y="6051201"/>
             <a:ext cx="1628984" cy="375702"/>
           </a:xfrm>
           <a:prstGeom prst="rect">
@@ -12733,7 +12737,7 @@
         </p:nvSpPr>
         <p:spPr>
           <a:xfrm>
-            <a:off x="7352399" y="4929667"/>
+            <a:off x="7112480" y="5025405"/>
             <a:ext cx="1355550" cy="473453"/>
           </a:xfrm>
           <a:prstGeom prst="flowChartDecision">
@@ -12792,7 +12796,7 @@
         </p:nvSpPr>
         <p:spPr>
           <a:xfrm>
-            <a:off x="6089744" y="4593307"/>
+            <a:off x="5474058" y="5144798"/>
             <a:ext cx="1282802" cy="375703"/>
           </a:xfrm>
           <a:prstGeom prst="ellipse">
@@ -12847,15 +12851,16 @@
             </a:extLst>
           </p:cNvPr>
           <p:cNvCxnSpPr>
+            <a:cxnSpLocks/>
             <a:stCxn id="128" idx="6"/>
-            <a:endCxn id="126" idx="0"/>
+            <a:endCxn id="126" idx="1"/>
           </p:cNvCxnSpPr>
           <p:nvPr/>
         </p:nvCxnSpPr>
         <p:spPr>
-          <a:xfrm>
-            <a:off x="7372546" y="4781159"/>
-            <a:ext cx="657628" cy="148508"/>
+          <a:xfrm flipV="1">
+            <a:off x="6756860" y="5262132"/>
+            <a:ext cx="355620" cy="70518"/>
           </a:xfrm>
           <a:prstGeom prst="line">
             <a:avLst/>
@@ -12892,9 +12897,9 @@
           <p:nvPr/>
         </p:nvCxnSpPr>
         <p:spPr>
-          <a:xfrm flipH="1">
-            <a:off x="8030174" y="4377239"/>
-            <a:ext cx="3108" cy="552428"/>
+          <a:xfrm>
+            <a:off x="7790255" y="4794148"/>
+            <a:ext cx="0" cy="231257"/>
           </a:xfrm>
           <a:prstGeom prst="line">
             <a:avLst/>
@@ -12932,8 +12937,8 @@
         </p:nvCxnSpPr>
         <p:spPr>
           <a:xfrm>
-            <a:off x="8030174" y="5403120"/>
-            <a:ext cx="3108" cy="576325"/>
+            <a:off x="7790255" y="5498858"/>
+            <a:ext cx="0" cy="552343"/>
           </a:xfrm>
           <a:prstGeom prst="line">
             <a:avLst/>
@@ -12968,7 +12973,7 @@
         </p:nvSpPr>
         <p:spPr>
           <a:xfrm>
-            <a:off x="1556899" y="3852339"/>
+            <a:off x="2515526" y="4299189"/>
             <a:ext cx="1816552" cy="629820"/>
           </a:xfrm>
           <a:prstGeom prst="flowChartDecision">
@@ -13023,15 +13028,16 @@
             </a:extLst>
           </p:cNvPr>
           <p:cNvCxnSpPr>
-            <a:stCxn id="66" idx="1"/>
+            <a:cxnSpLocks/>
+            <a:stCxn id="65" idx="1"/>
             <a:endCxn id="33" idx="3"/>
           </p:cNvCxnSpPr>
           <p:nvPr/>
         </p:nvCxnSpPr>
         <p:spPr>
-          <a:xfrm flipH="1" flipV="1">
-            <a:off x="3373451" y="4167249"/>
-            <a:ext cx="1509217" cy="22139"/>
+          <a:xfrm flipH="1">
+            <a:off x="4332078" y="4606297"/>
+            <a:ext cx="2643685" cy="7802"/>
           </a:xfrm>
           <a:prstGeom prst="line">
             <a:avLst/>
@@ -13066,7 +13072,7 @@
         </p:nvSpPr>
         <p:spPr>
           <a:xfrm>
-            <a:off x="2125951" y="4848168"/>
+            <a:off x="2752357" y="5166393"/>
             <a:ext cx="1282802" cy="375703"/>
           </a:xfrm>
           <a:prstGeom prst="ellipse">
@@ -13184,7 +13190,7 @@
         </p:nvSpPr>
         <p:spPr>
           <a:xfrm>
-            <a:off x="58472" y="3024725"/>
+            <a:off x="-42268" y="3413767"/>
             <a:ext cx="1317982" cy="404275"/>
           </a:xfrm>
           <a:prstGeom prst="ellipse">
@@ -13243,7 +13249,7 @@
         </p:nvSpPr>
         <p:spPr>
           <a:xfrm>
-            <a:off x="1214279" y="3262947"/>
+            <a:off x="1258245" y="3541634"/>
             <a:ext cx="1064533" cy="471209"/>
           </a:xfrm>
           <a:prstGeom prst="ellipse">
@@ -13302,7 +13308,7 @@
         </p:nvSpPr>
         <p:spPr>
           <a:xfrm>
-            <a:off x="169422" y="3967086"/>
+            <a:off x="353564" y="4403039"/>
             <a:ext cx="1167718" cy="400325"/>
           </a:xfrm>
           <a:prstGeom prst="rect">
@@ -13428,8 +13434,8 @@
         </p:nvCxnSpPr>
         <p:spPr>
           <a:xfrm>
-            <a:off x="717463" y="3429000"/>
-            <a:ext cx="35818" cy="538086"/>
+            <a:off x="616723" y="3818042"/>
+            <a:ext cx="320700" cy="584997"/>
           </a:xfrm>
           <a:prstGeom prst="line">
             <a:avLst/>
@@ -13467,8 +13473,8 @@
         </p:nvCxnSpPr>
         <p:spPr>
           <a:xfrm flipH="1">
-            <a:off x="753281" y="3665149"/>
-            <a:ext cx="616895" cy="301937"/>
+            <a:off x="937423" y="3943836"/>
+            <a:ext cx="476719" cy="459203"/>
           </a:xfrm>
           <a:prstGeom prst="line">
             <a:avLst/>
@@ -13505,9 +13511,9 @@
           <p:nvPr/>
         </p:nvCxnSpPr>
         <p:spPr>
-          <a:xfrm>
-            <a:off x="753281" y="4367411"/>
-            <a:ext cx="21945" cy="1101063"/>
+          <a:xfrm flipH="1">
+            <a:off x="775226" y="4803364"/>
+            <a:ext cx="162197" cy="665110"/>
           </a:xfrm>
           <a:prstGeom prst="line">
             <a:avLst/>
@@ -13545,8 +13551,8 @@
         </p:nvCxnSpPr>
         <p:spPr>
           <a:xfrm>
-            <a:off x="753281" y="4367411"/>
-            <a:ext cx="1641867" cy="1053148"/>
+            <a:off x="937423" y="4803364"/>
+            <a:ext cx="1457725" cy="617195"/>
           </a:xfrm>
           <a:prstGeom prst="line">
             <a:avLst/>
@@ -13583,9 +13589,9 @@
           <p:nvPr/>
         </p:nvCxnSpPr>
         <p:spPr>
-          <a:xfrm>
-            <a:off x="2465175" y="4482159"/>
-            <a:ext cx="302177" cy="366009"/>
+          <a:xfrm flipH="1">
+            <a:off x="3393758" y="4929009"/>
+            <a:ext cx="30044" cy="237384"/>
           </a:xfrm>
           <a:prstGeom prst="line">
             <a:avLst/>
@@ -13622,9 +13628,9 @@
           <p:nvPr/>
         </p:nvCxnSpPr>
         <p:spPr>
-          <a:xfrm flipH="1">
-            <a:off x="1337140" y="4167249"/>
-            <a:ext cx="219759" cy="0"/>
+          <a:xfrm flipH="1" flipV="1">
+            <a:off x="1521282" y="4603202"/>
+            <a:ext cx="994244" cy="10897"/>
           </a:xfrm>
           <a:prstGeom prst="line">
             <a:avLst/>
